--- a/2016/03_OpenResty和实时计算密集型服务_By张顺/ppt/OpenRestyReal.pptx
+++ b/2016/03_OpenResty和实时计算密集型服务_By张顺/ppt/OpenRestyReal.pptx
@@ -45,6 +45,7 @@
     <p:sldId id="290" r:id="rId42"/>
     <p:sldId id="291" r:id="rId43"/>
     <p:sldId id="292" r:id="rId44"/>
+    <p:sldId id="293" r:id="rId45"/>
   </p:sldIdLst>
   <p:sldSz cx="13004800" cy="9753600"/>
   <p:notesSz cx="6858000" cy="9144000"/>
@@ -4852,6 +4853,101 @@
         </p:nvSpPr>
         <p:spPr>
           <a:xfrm>
+            <a:off x="1298043" y="3726942"/>
+            <a:ext cx="10408714" cy="2299716"/>
+          </a:xfrm>
+          <a:prstGeom prst="rect">
+            <a:avLst/>
+          </a:prstGeom>
+          <a:ln w="12700">
+            <a:miter lim="400000"/>
+          </a:ln>
+          <a:extLst>
+            <a:ext uri="{C572A759-6A51-4108-AA02-DFA0A04FC94B}">
+              <ma14:wrappingTextBoxFlag xmlns:ma14="http://schemas.microsoft.com/office/mac/drawingml/2011/main" val="1"/>
+            </a:ext>
+          </a:extLst>
+        </p:spPr>
+        <p:txBody>
+          <a:bodyPr lIns="50800" tIns="50800" rIns="50800" bIns="50800" anchor="ctr">
+            <a:spAutoFit/>
+          </a:bodyPr>
+          <a:lstStyle/>
+          <a:p>
+            <a:pPr lvl="0" algn="l">
+              <a:defRPr sz="1800"/>
+            </a:pPr>
+            <a:r>
+              <a:rPr sz="3600"/>
+              <a:t>对OpenResty的贡献:</a:t>
+            </a:r>
+            <a:endParaRPr sz="3600"/>
+          </a:p>
+          <a:p>
+            <a:pPr lvl="0" algn="l">
+              <a:defRPr sz="1800"/>
+            </a:pPr>
+            <a:endParaRPr sz="3600"/>
+          </a:p>
+          <a:p>
+            <a:pPr lvl="0" marL="635000" indent="-635000" algn="l">
+              <a:buSzPct val="100000"/>
+              <a:buAutoNum type="arabicPeriod" startAt="1"/>
+              <a:defRPr sz="1800"/>
+            </a:pPr>
+            <a:r>
+              <a:rPr sz="3600"/>
+              <a:t>feature: duplex cosocket - OpenResty v1.7.2.1</a:t>
+            </a:r>
+            <a:endParaRPr sz="3600"/>
+          </a:p>
+          <a:p>
+            <a:pPr lvl="0" marL="635000" indent="-635000" algn="l">
+              <a:buSzPct val="100000"/>
+              <a:buAutoNum type="arabicPeriod" startAt="1"/>
+              <a:defRPr sz="1800"/>
+            </a:pPr>
+            <a:r>
+              <a:rPr sz="3600"/>
+              <a:t>bugfix: tcp_nodelay - OpenResty v1.7.4.1</a:t>
+            </a:r>
+          </a:p>
+        </p:txBody>
+      </p:sp>
+    </p:spTree>
+  </p:cSld>
+  <p:clrMapOvr>
+    <a:masterClrMapping/>
+  </p:clrMapOvr>
+  <p:transition spd="med" advClick="1"/>
+</p:sld>
+</file>
+
+<file path=ppt/slides/slide38.xml><?xml version="1.0" encoding="utf-8"?>
+<p:sld xmlns:a="http://schemas.openxmlformats.org/drawingml/2006/main" xmlns:r="http://schemas.openxmlformats.org/officeDocument/2006/relationships" xmlns:p="http://schemas.openxmlformats.org/presentationml/2006/main" showMasterSp="1" showMasterPhAnim="1">
+  <p:cSld>
+    <p:spTree>
+      <p:nvGrpSpPr>
+        <p:cNvPr id="1" name=""/>
+        <p:cNvGrpSpPr/>
+        <p:nvPr/>
+      </p:nvGrpSpPr>
+      <p:grpSpPr>
+        <a:xfrm>
+          <a:off x="0" y="0"/>
+          <a:ext cx="0" cy="0"/>
+          <a:chOff x="0" y="0"/>
+          <a:chExt cx="0" cy="0"/>
+        </a:xfrm>
+      </p:grpSpPr>
+      <p:sp>
+        <p:nvSpPr>
+          <p:cNvPr id="127" name="Shape 127"/>
+          <p:cNvSpPr/>
+          <p:nvPr/>
+        </p:nvSpPr>
+        <p:spPr>
+          <a:xfrm>
             <a:off x="1270000" y="4267200"/>
             <a:ext cx="10464800" cy="685800"/>
           </a:xfrm>
